--- a/Proposal/GEOG788P_ProjectProposal_GuiminZhu.pptx
+++ b/Proposal/GEOG788P_ProjectProposal_GuiminZhu.pptx
@@ -5,7 +5,7 @@
     <p:sldMasterId id="2147483648" r:id="rId1"/>
   </p:sldMasterIdLst>
   <p:notesMasterIdLst>
-    <p:notesMasterId r:id="rId8"/>
+    <p:notesMasterId r:id="rId9"/>
   </p:notesMasterIdLst>
   <p:sldIdLst>
     <p:sldId id="256" r:id="rId2"/>
@@ -14,6 +14,7 @@
     <p:sldId id="260" r:id="rId5"/>
     <p:sldId id="262" r:id="rId6"/>
     <p:sldId id="261" r:id="rId7"/>
+    <p:sldId id="264" r:id="rId8"/>
   </p:sldIdLst>
   <p:sldSz cx="12192000" cy="6858000"/>
   <p:notesSz cx="6858000" cy="9144000"/>
@@ -202,7 +203,7 @@
           <a:p>
             <a:fld id="{CD061FA8-7023-4025-8BFF-36C8A1A714AD}" type="datetimeFigureOut">
               <a:rPr lang="en-US" smtClean="0"/>
-              <a:t>9/29/2020</a:t>
+              <a:t>9/30/2020</a:t>
             </a:fld>
             <a:endParaRPr lang="en-US"/>
           </a:p>
@@ -962,7 +963,7 @@
           <a:p>
             <a:fld id="{94D52407-B9A6-4545-8B1F-DA964CD62C1F}" type="datetimeFigureOut">
               <a:rPr lang="en-US" smtClean="0"/>
-              <a:t>9/29/2020</a:t>
+              <a:t>9/30/2020</a:t>
             </a:fld>
             <a:endParaRPr lang="en-US"/>
           </a:p>
@@ -1160,7 +1161,7 @@
           <a:p>
             <a:fld id="{94D52407-B9A6-4545-8B1F-DA964CD62C1F}" type="datetimeFigureOut">
               <a:rPr lang="en-US" smtClean="0"/>
-              <a:t>9/29/2020</a:t>
+              <a:t>9/30/2020</a:t>
             </a:fld>
             <a:endParaRPr lang="en-US"/>
           </a:p>
@@ -1368,7 +1369,7 @@
           <a:p>
             <a:fld id="{94D52407-B9A6-4545-8B1F-DA964CD62C1F}" type="datetimeFigureOut">
               <a:rPr lang="en-US" smtClean="0"/>
-              <a:t>9/29/2020</a:t>
+              <a:t>9/30/2020</a:t>
             </a:fld>
             <a:endParaRPr lang="en-US"/>
           </a:p>
@@ -1590,7 +1591,7 @@
           <a:p>
             <a:fld id="{94D52407-B9A6-4545-8B1F-DA964CD62C1F}" type="datetimeFigureOut">
               <a:rPr lang="en-US" smtClean="0"/>
-              <a:t>9/29/2020</a:t>
+              <a:t>9/30/2020</a:t>
             </a:fld>
             <a:endParaRPr lang="en-US"/>
           </a:p>
@@ -1865,7 +1866,7 @@
           <a:p>
             <a:fld id="{94D52407-B9A6-4545-8B1F-DA964CD62C1F}" type="datetimeFigureOut">
               <a:rPr lang="en-US" smtClean="0"/>
-              <a:t>9/29/2020</a:t>
+              <a:t>9/30/2020</a:t>
             </a:fld>
             <a:endParaRPr lang="en-US"/>
           </a:p>
@@ -2130,7 +2131,7 @@
           <a:p>
             <a:fld id="{94D52407-B9A6-4545-8B1F-DA964CD62C1F}" type="datetimeFigureOut">
               <a:rPr lang="en-US" smtClean="0"/>
-              <a:t>9/29/2020</a:t>
+              <a:t>9/30/2020</a:t>
             </a:fld>
             <a:endParaRPr lang="en-US"/>
           </a:p>
@@ -2542,7 +2543,7 @@
           <a:p>
             <a:fld id="{94D52407-B9A6-4545-8B1F-DA964CD62C1F}" type="datetimeFigureOut">
               <a:rPr lang="en-US" smtClean="0"/>
-              <a:t>9/29/2020</a:t>
+              <a:t>9/30/2020</a:t>
             </a:fld>
             <a:endParaRPr lang="en-US"/>
           </a:p>
@@ -2683,7 +2684,7 @@
           <a:p>
             <a:fld id="{94D52407-B9A6-4545-8B1F-DA964CD62C1F}" type="datetimeFigureOut">
               <a:rPr lang="en-US" smtClean="0"/>
-              <a:t>9/29/2020</a:t>
+              <a:t>9/30/2020</a:t>
             </a:fld>
             <a:endParaRPr lang="en-US"/>
           </a:p>
@@ -2796,7 +2797,7 @@
           <a:p>
             <a:fld id="{94D52407-B9A6-4545-8B1F-DA964CD62C1F}" type="datetimeFigureOut">
               <a:rPr lang="en-US" smtClean="0"/>
-              <a:t>9/29/2020</a:t>
+              <a:t>9/30/2020</a:t>
             </a:fld>
             <a:endParaRPr lang="en-US"/>
           </a:p>
@@ -3107,7 +3108,7 @@
           <a:p>
             <a:fld id="{94D52407-B9A6-4545-8B1F-DA964CD62C1F}" type="datetimeFigureOut">
               <a:rPr lang="en-US" smtClean="0"/>
-              <a:t>9/29/2020</a:t>
+              <a:t>9/30/2020</a:t>
             </a:fld>
             <a:endParaRPr lang="en-US"/>
           </a:p>
@@ -3395,7 +3396,7 @@
           <a:p>
             <a:fld id="{94D52407-B9A6-4545-8B1F-DA964CD62C1F}" type="datetimeFigureOut">
               <a:rPr lang="en-US" smtClean="0"/>
-              <a:t>9/29/2020</a:t>
+              <a:t>9/30/2020</a:t>
             </a:fld>
             <a:endParaRPr lang="en-US"/>
           </a:p>
@@ -3636,7 +3637,7 @@
           <a:p>
             <a:fld id="{94D52407-B9A6-4545-8B1F-DA964CD62C1F}" type="datetimeFigureOut">
               <a:rPr lang="en-US" smtClean="0"/>
-              <a:t>9/29/2020</a:t>
+              <a:t>9/30/2020</a:t>
             </a:fld>
             <a:endParaRPr lang="en-US"/>
           </a:p>
@@ -4113,7 +4114,7 @@
           <a:p>
             <a:r>
               <a:rPr lang="en-US" dirty="0"/>
-              <a:t>09/30/2020</a:t>
+              <a:t>September 30, 2020</a:t>
             </a:r>
           </a:p>
         </p:txBody>
@@ -4809,6 +4810,76 @@
     <p:extLst>
       <p:ext uri="{BB962C8B-B14F-4D97-AF65-F5344CB8AC3E}">
         <p14:creationId xmlns:p14="http://schemas.microsoft.com/office/powerpoint/2010/main" val="2695922783"/>
+      </p:ext>
+    </p:extLst>
+  </p:cSld>
+  <p:clrMapOvr>
+    <a:masterClrMapping/>
+  </p:clrMapOvr>
+</p:sld>
+</file>
+
+<file path=ppt/slides/slide7.xml><?xml version="1.0" encoding="utf-8"?>
+<p:sld xmlns:a="http://schemas.openxmlformats.org/drawingml/2006/main" xmlns:r="http://schemas.openxmlformats.org/officeDocument/2006/relationships" xmlns:p="http://schemas.openxmlformats.org/presentationml/2006/main">
+  <p:cSld>
+    <p:spTree>
+      <p:nvGrpSpPr>
+        <p:cNvPr id="1" name=""/>
+        <p:cNvGrpSpPr/>
+        <p:nvPr/>
+      </p:nvGrpSpPr>
+      <p:grpSpPr>
+        <a:xfrm>
+          <a:off x="0" y="0"/>
+          <a:ext cx="0" cy="0"/>
+          <a:chOff x="0" y="0"/>
+          <a:chExt cx="0" cy="0"/>
+        </a:xfrm>
+      </p:grpSpPr>
+      <p:sp>
+        <p:nvSpPr>
+          <p:cNvPr id="3" name="Content Placeholder 2">
+            <a:extLst>
+              <a:ext uri="{FF2B5EF4-FFF2-40B4-BE49-F238E27FC236}">
+                <a16:creationId xmlns:a16="http://schemas.microsoft.com/office/drawing/2014/main" id="{4D7D20C2-E1C2-4D1B-8B24-F09A678AC75A}"/>
+              </a:ext>
+            </a:extLst>
+          </p:cNvPr>
+          <p:cNvSpPr>
+            <a:spLocks noGrp="1"/>
+          </p:cNvSpPr>
+          <p:nvPr>
+            <p:ph idx="1"/>
+          </p:nvPr>
+        </p:nvSpPr>
+        <p:spPr/>
+        <p:txBody>
+          <a:bodyPr/>
+          <a:lstStyle/>
+          <a:p>
+            <a:pPr algn="ctr"/>
+            <a:r>
+              <a:rPr lang="en-US" dirty="0"/>
+              <a:t>Thanks!</a:t>
+            </a:r>
+          </a:p>
+          <a:p>
+            <a:pPr algn="ctr"/>
+            <a:endParaRPr lang="en-US" dirty="0"/>
+          </a:p>
+          <a:p>
+            <a:pPr algn="ctr"/>
+            <a:r>
+              <a:rPr lang="en-US" dirty="0"/>
+              <a:t>Q&amp;A</a:t>
+            </a:r>
+          </a:p>
+        </p:txBody>
+      </p:sp>
+    </p:spTree>
+    <p:extLst>
+      <p:ext uri="{BB962C8B-B14F-4D97-AF65-F5344CB8AC3E}">
+        <p14:creationId xmlns:p14="http://schemas.microsoft.com/office/powerpoint/2010/main" val="4248799084"/>
       </p:ext>
     </p:extLst>
   </p:cSld>
